--- a/CLOUD_INTERVIEW_TASK.pptx
+++ b/CLOUD_INTERVIEW_TASK.pptx
@@ -5,7 +5,7 @@
     <p:sldMasterId id="2147483648" r:id="rId1"/>
   </p:sldMasterIdLst>
   <p:notesMasterIdLst>
-    <p:notesMasterId r:id="rId9"/>
+    <p:notesMasterId r:id="rId18"/>
   </p:notesMasterIdLst>
   <p:sldIdLst>
     <p:sldId id="292" r:id="rId2"/>
@@ -15,6 +15,15 @@
     <p:sldId id="299" r:id="rId6"/>
     <p:sldId id="296" r:id="rId7"/>
     <p:sldId id="297" r:id="rId8"/>
+    <p:sldId id="300" r:id="rId9"/>
+    <p:sldId id="304" r:id="rId10"/>
+    <p:sldId id="303" r:id="rId11"/>
+    <p:sldId id="301" r:id="rId12"/>
+    <p:sldId id="307" r:id="rId13"/>
+    <p:sldId id="302" r:id="rId14"/>
+    <p:sldId id="305" r:id="rId15"/>
+    <p:sldId id="306" r:id="rId16"/>
+    <p:sldId id="308" r:id="rId17"/>
   </p:sldIdLst>
   <p:sldSz cx="12192000" cy="6858000"/>
   <p:notesSz cx="6858000" cy="9144000"/>
@@ -113,6 +122,11 @@
       </a:defRPr>
     </a:lvl9pPr>
   </p:defaultTextStyle>
+  <p:extLst>
+    <p:ext uri="{EFAFB233-063F-42B5-8137-9DF3F51BA10A}">
+      <p15:sldGuideLst xmlns:p15="http://schemas.microsoft.com/office/powerpoint/2012/main"/>
+    </p:ext>
+  </p:extLst>
 </p:presentation>
 </file>
 
@@ -198,7 +212,7 @@
           <a:p>
             <a:fld id="{0BCC813B-82D8-445A-BE31-4F7F5C654E84}" type="datetimeFigureOut">
               <a:rPr lang="en-IN" smtClean="0"/>
-              <a:t>28-12-2024</a:t>
+              <a:t>29-12-2024</a:t>
             </a:fld>
             <a:endParaRPr lang="en-IN"/>
           </a:p>
@@ -723,7 +737,7 @@
           <a:p>
             <a:fld id="{2D660177-85FA-4D15-A65F-E1E1FEAD73A1}" type="datetimeFigureOut">
               <a:rPr lang="en-IN" smtClean="0"/>
-              <a:t>28-12-2024</a:t>
+              <a:t>29-12-2024</a:t>
             </a:fld>
             <a:endParaRPr lang="en-IN"/>
           </a:p>
@@ -923,7 +937,7 @@
           <a:p>
             <a:fld id="{2D660177-85FA-4D15-A65F-E1E1FEAD73A1}" type="datetimeFigureOut">
               <a:rPr lang="en-IN" smtClean="0"/>
-              <a:t>28-12-2024</a:t>
+              <a:t>29-12-2024</a:t>
             </a:fld>
             <a:endParaRPr lang="en-IN"/>
           </a:p>
@@ -1133,7 +1147,7 @@
           <a:p>
             <a:fld id="{2D660177-85FA-4D15-A65F-E1E1FEAD73A1}" type="datetimeFigureOut">
               <a:rPr lang="en-IN" smtClean="0"/>
-              <a:t>28-12-2024</a:t>
+              <a:t>29-12-2024</a:t>
             </a:fld>
             <a:endParaRPr lang="en-IN"/>
           </a:p>
@@ -1876,7 +1890,7 @@
           <a:p>
             <a:fld id="{2D660177-85FA-4D15-A65F-E1E1FEAD73A1}" type="datetimeFigureOut">
               <a:rPr lang="en-IN" smtClean="0"/>
-              <a:t>28-12-2024</a:t>
+              <a:t>29-12-2024</a:t>
             </a:fld>
             <a:endParaRPr lang="en-IN"/>
           </a:p>
@@ -2152,7 +2166,7 @@
           <a:p>
             <a:fld id="{2D660177-85FA-4D15-A65F-E1E1FEAD73A1}" type="datetimeFigureOut">
               <a:rPr lang="en-IN" smtClean="0"/>
-              <a:t>28-12-2024</a:t>
+              <a:t>29-12-2024</a:t>
             </a:fld>
             <a:endParaRPr lang="en-IN"/>
           </a:p>
@@ -2420,7 +2434,7 @@
           <a:p>
             <a:fld id="{2D660177-85FA-4D15-A65F-E1E1FEAD73A1}" type="datetimeFigureOut">
               <a:rPr lang="en-IN" smtClean="0"/>
-              <a:t>28-12-2024</a:t>
+              <a:t>29-12-2024</a:t>
             </a:fld>
             <a:endParaRPr lang="en-IN"/>
           </a:p>
@@ -2835,7 +2849,7 @@
           <a:p>
             <a:fld id="{2D660177-85FA-4D15-A65F-E1E1FEAD73A1}" type="datetimeFigureOut">
               <a:rPr lang="en-IN" smtClean="0"/>
-              <a:t>28-12-2024</a:t>
+              <a:t>29-12-2024</a:t>
             </a:fld>
             <a:endParaRPr lang="en-IN"/>
           </a:p>
@@ -2977,7 +2991,7 @@
           <a:p>
             <a:fld id="{2D660177-85FA-4D15-A65F-E1E1FEAD73A1}" type="datetimeFigureOut">
               <a:rPr lang="en-IN" smtClean="0"/>
-              <a:t>28-12-2024</a:t>
+              <a:t>29-12-2024</a:t>
             </a:fld>
             <a:endParaRPr lang="en-IN"/>
           </a:p>
@@ -3090,7 +3104,7 @@
           <a:p>
             <a:fld id="{2D660177-85FA-4D15-A65F-E1E1FEAD73A1}" type="datetimeFigureOut">
               <a:rPr lang="en-IN" smtClean="0"/>
-              <a:t>28-12-2024</a:t>
+              <a:t>29-12-2024</a:t>
             </a:fld>
             <a:endParaRPr lang="en-IN"/>
           </a:p>
@@ -3403,7 +3417,7 @@
           <a:p>
             <a:fld id="{2D660177-85FA-4D15-A65F-E1E1FEAD73A1}" type="datetimeFigureOut">
               <a:rPr lang="en-IN" smtClean="0"/>
-              <a:t>28-12-2024</a:t>
+              <a:t>29-12-2024</a:t>
             </a:fld>
             <a:endParaRPr lang="en-IN"/>
           </a:p>
@@ -3692,7 +3706,7 @@
           <a:p>
             <a:fld id="{2D660177-85FA-4D15-A65F-E1E1FEAD73A1}" type="datetimeFigureOut">
               <a:rPr lang="en-IN" smtClean="0"/>
-              <a:t>28-12-2024</a:t>
+              <a:t>29-12-2024</a:t>
             </a:fld>
             <a:endParaRPr lang="en-IN"/>
           </a:p>
@@ -3940,7 +3954,7 @@
           <a:p>
             <a:fld id="{2D660177-85FA-4D15-A65F-E1E1FEAD73A1}" type="datetimeFigureOut">
               <a:rPr lang="en-IN" smtClean="0"/>
-              <a:t>28-12-2024</a:t>
+              <a:t>29-12-2024</a:t>
             </a:fld>
             <a:endParaRPr lang="en-IN"/>
           </a:p>
@@ -4797,6 +4811,796 @@
 </p:sld>
 </file>
 
+<file path=ppt/slides/slide10.xml><?xml version="1.0" encoding="utf-8"?>
+<p:sld xmlns:a="http://schemas.openxmlformats.org/drawingml/2006/main" xmlns:r="http://schemas.openxmlformats.org/officeDocument/2006/relationships" xmlns:p="http://schemas.openxmlformats.org/presentationml/2006/main">
+  <p:cSld>
+    <p:spTree>
+      <p:nvGrpSpPr>
+        <p:cNvPr id="1" name=""/>
+        <p:cNvGrpSpPr/>
+        <p:nvPr/>
+      </p:nvGrpSpPr>
+      <p:grpSpPr>
+        <a:xfrm>
+          <a:off x="0" y="0"/>
+          <a:ext cx="0" cy="0"/>
+          <a:chOff x="0" y="0"/>
+          <a:chExt cx="0" cy="0"/>
+        </a:xfrm>
+      </p:grpSpPr>
+      <p:sp>
+        <p:nvSpPr>
+          <p:cNvPr id="2" name="Title 1">
+            <a:extLst>
+              <a:ext uri="{FF2B5EF4-FFF2-40B4-BE49-F238E27FC236}">
+                <a16:creationId xmlns:a16="http://schemas.microsoft.com/office/drawing/2014/main" id="{C4C3E548-C4F9-DA66-324B-BE6A8CF9376B}"/>
+              </a:ext>
+            </a:extLst>
+          </p:cNvPr>
+          <p:cNvSpPr>
+            <a:spLocks noGrp="1"/>
+          </p:cNvSpPr>
+          <p:nvPr>
+            <p:ph type="title"/>
+          </p:nvPr>
+        </p:nvSpPr>
+        <p:spPr/>
+        <p:txBody>
+          <a:bodyPr/>
+          <a:lstStyle/>
+          <a:p>
+            <a:endParaRPr lang="en-IN"/>
+          </a:p>
+        </p:txBody>
+      </p:sp>
+      <p:sp>
+        <p:nvSpPr>
+          <p:cNvPr id="3" name="Content Placeholder 2">
+            <a:extLst>
+              <a:ext uri="{FF2B5EF4-FFF2-40B4-BE49-F238E27FC236}">
+                <a16:creationId xmlns:a16="http://schemas.microsoft.com/office/drawing/2014/main" id="{23B243EC-0A8D-14D8-61D0-6F26DE200B2C}"/>
+              </a:ext>
+            </a:extLst>
+          </p:cNvPr>
+          <p:cNvSpPr>
+            <a:spLocks noGrp="1"/>
+          </p:cNvSpPr>
+          <p:nvPr>
+            <p:ph idx="1"/>
+          </p:nvPr>
+        </p:nvSpPr>
+        <p:spPr/>
+        <p:txBody>
+          <a:bodyPr/>
+          <a:lstStyle/>
+          <a:p>
+            <a:endParaRPr lang="en-IN"/>
+          </a:p>
+        </p:txBody>
+      </p:sp>
+      <p:pic>
+        <p:nvPicPr>
+          <p:cNvPr id="5" name="Picture 4">
+            <a:extLst>
+              <a:ext uri="{FF2B5EF4-FFF2-40B4-BE49-F238E27FC236}">
+                <a16:creationId xmlns:a16="http://schemas.microsoft.com/office/drawing/2014/main" id="{8328796C-CD38-0D76-F02D-6C61A96DBC02}"/>
+              </a:ext>
+            </a:extLst>
+          </p:cNvPr>
+          <p:cNvPicPr>
+            <a:picLocks noChangeAspect="1"/>
+          </p:cNvPicPr>
+          <p:nvPr/>
+        </p:nvPicPr>
+        <p:blipFill>
+          <a:blip r:embed="rId2"/>
+          <a:stretch>
+            <a:fillRect/>
+          </a:stretch>
+        </p:blipFill>
+        <p:spPr>
+          <a:xfrm>
+            <a:off x="0" y="1390"/>
+            <a:ext cx="12192000" cy="6855220"/>
+          </a:xfrm>
+          <a:prstGeom prst="rect">
+            <a:avLst/>
+          </a:prstGeom>
+        </p:spPr>
+      </p:pic>
+      <p:sp>
+        <p:nvSpPr>
+          <p:cNvPr id="6" name="Rectangle 5">
+            <a:extLst>
+              <a:ext uri="{FF2B5EF4-FFF2-40B4-BE49-F238E27FC236}">
+                <a16:creationId xmlns:a16="http://schemas.microsoft.com/office/drawing/2014/main" id="{2BAEA799-91FE-CD07-7F18-D8F7E6F56916}"/>
+              </a:ext>
+            </a:extLst>
+          </p:cNvPr>
+          <p:cNvSpPr/>
+          <p:nvPr/>
+        </p:nvSpPr>
+        <p:spPr>
+          <a:xfrm>
+            <a:off x="147781" y="1287103"/>
+            <a:ext cx="1597891" cy="314036"/>
+          </a:xfrm>
+          <a:prstGeom prst="rect">
+            <a:avLst/>
+          </a:prstGeom>
+          <a:noFill/>
+          <a:ln w="38100">
+            <a:solidFill>
+              <a:srgbClr val="FF0000"/>
+            </a:solidFill>
+          </a:ln>
+        </p:spPr>
+        <p:style>
+          <a:lnRef idx="2">
+            <a:schemeClr val="accent1">
+              <a:shade val="15000"/>
+            </a:schemeClr>
+          </a:lnRef>
+          <a:fillRef idx="1">
+            <a:schemeClr val="accent1"/>
+          </a:fillRef>
+          <a:effectRef idx="0">
+            <a:schemeClr val="accent1"/>
+          </a:effectRef>
+          <a:fontRef idx="minor">
+            <a:schemeClr val="lt1"/>
+          </a:fontRef>
+        </p:style>
+        <p:txBody>
+          <a:bodyPr rtlCol="0" anchor="ctr"/>
+          <a:lstStyle/>
+          <a:p>
+            <a:pPr algn="ctr"/>
+            <a:endParaRPr lang="en-IN"/>
+          </a:p>
+        </p:txBody>
+      </p:sp>
+      <p:sp>
+        <p:nvSpPr>
+          <p:cNvPr id="7" name="Rectangle 6">
+            <a:extLst>
+              <a:ext uri="{FF2B5EF4-FFF2-40B4-BE49-F238E27FC236}">
+                <a16:creationId xmlns:a16="http://schemas.microsoft.com/office/drawing/2014/main" id="{604EE1F6-F957-746B-4204-45A91A2D3914}"/>
+              </a:ext>
+            </a:extLst>
+          </p:cNvPr>
+          <p:cNvSpPr/>
+          <p:nvPr/>
+        </p:nvSpPr>
+        <p:spPr>
+          <a:xfrm>
+            <a:off x="147780" y="1967345"/>
+            <a:ext cx="1422401" cy="314036"/>
+          </a:xfrm>
+          <a:prstGeom prst="rect">
+            <a:avLst/>
+          </a:prstGeom>
+          <a:noFill/>
+          <a:ln w="38100">
+            <a:solidFill>
+              <a:srgbClr val="FF0000"/>
+            </a:solidFill>
+          </a:ln>
+        </p:spPr>
+        <p:style>
+          <a:lnRef idx="2">
+            <a:schemeClr val="accent1">
+              <a:shade val="15000"/>
+            </a:schemeClr>
+          </a:lnRef>
+          <a:fillRef idx="1">
+            <a:schemeClr val="accent1"/>
+          </a:fillRef>
+          <a:effectRef idx="0">
+            <a:schemeClr val="accent1"/>
+          </a:effectRef>
+          <a:fontRef idx="minor">
+            <a:schemeClr val="lt1"/>
+          </a:fontRef>
+        </p:style>
+        <p:txBody>
+          <a:bodyPr rtlCol="0" anchor="ctr"/>
+          <a:lstStyle/>
+          <a:p>
+            <a:pPr algn="ctr"/>
+            <a:endParaRPr lang="en-IN"/>
+          </a:p>
+        </p:txBody>
+      </p:sp>
+    </p:spTree>
+    <p:extLst>
+      <p:ext uri="{BB962C8B-B14F-4D97-AF65-F5344CB8AC3E}">
+        <p14:creationId xmlns:p14="http://schemas.microsoft.com/office/powerpoint/2010/main" val="26229792"/>
+      </p:ext>
+    </p:extLst>
+  </p:cSld>
+  <p:clrMapOvr>
+    <a:masterClrMapping/>
+  </p:clrMapOvr>
+</p:sld>
+</file>
+
+<file path=ppt/slides/slide11.xml><?xml version="1.0" encoding="utf-8"?>
+<p:sld xmlns:a="http://schemas.openxmlformats.org/drawingml/2006/main" xmlns:r="http://schemas.openxmlformats.org/officeDocument/2006/relationships" xmlns:p="http://schemas.openxmlformats.org/presentationml/2006/main">
+  <p:cSld>
+    <p:spTree>
+      <p:nvGrpSpPr>
+        <p:cNvPr id="1" name=""/>
+        <p:cNvGrpSpPr/>
+        <p:nvPr/>
+      </p:nvGrpSpPr>
+      <p:grpSpPr>
+        <a:xfrm>
+          <a:off x="0" y="0"/>
+          <a:ext cx="0" cy="0"/>
+          <a:chOff x="0" y="0"/>
+          <a:chExt cx="0" cy="0"/>
+        </a:xfrm>
+      </p:grpSpPr>
+      <p:sp>
+        <p:nvSpPr>
+          <p:cNvPr id="2" name="Title 1">
+            <a:extLst>
+              <a:ext uri="{FF2B5EF4-FFF2-40B4-BE49-F238E27FC236}">
+                <a16:creationId xmlns:a16="http://schemas.microsoft.com/office/drawing/2014/main" id="{AE9A9BD2-087C-EFA7-204E-89799425B277}"/>
+              </a:ext>
+            </a:extLst>
+          </p:cNvPr>
+          <p:cNvSpPr>
+            <a:spLocks noGrp="1"/>
+          </p:cNvSpPr>
+          <p:nvPr>
+            <p:ph type="title"/>
+          </p:nvPr>
+        </p:nvSpPr>
+        <p:spPr/>
+        <p:txBody>
+          <a:bodyPr/>
+          <a:lstStyle/>
+          <a:p>
+            <a:endParaRPr lang="en-IN"/>
+          </a:p>
+        </p:txBody>
+      </p:sp>
+      <p:sp>
+        <p:nvSpPr>
+          <p:cNvPr id="3" name="Content Placeholder 2">
+            <a:extLst>
+              <a:ext uri="{FF2B5EF4-FFF2-40B4-BE49-F238E27FC236}">
+                <a16:creationId xmlns:a16="http://schemas.microsoft.com/office/drawing/2014/main" id="{225AD6E6-F798-6B38-BC8D-2FBE2885CF86}"/>
+              </a:ext>
+            </a:extLst>
+          </p:cNvPr>
+          <p:cNvSpPr>
+            <a:spLocks noGrp="1"/>
+          </p:cNvSpPr>
+          <p:nvPr>
+            <p:ph idx="1"/>
+          </p:nvPr>
+        </p:nvSpPr>
+        <p:spPr/>
+        <p:txBody>
+          <a:bodyPr/>
+          <a:lstStyle/>
+          <a:p>
+            <a:endParaRPr lang="en-IN"/>
+          </a:p>
+        </p:txBody>
+      </p:sp>
+      <p:pic>
+        <p:nvPicPr>
+          <p:cNvPr id="5" name="Picture 4">
+            <a:extLst>
+              <a:ext uri="{FF2B5EF4-FFF2-40B4-BE49-F238E27FC236}">
+                <a16:creationId xmlns:a16="http://schemas.microsoft.com/office/drawing/2014/main" id="{8860E6A6-9C87-9BDC-910E-3B033A45BD2E}"/>
+              </a:ext>
+            </a:extLst>
+          </p:cNvPr>
+          <p:cNvPicPr>
+            <a:picLocks noChangeAspect="1"/>
+          </p:cNvPicPr>
+          <p:nvPr/>
+        </p:nvPicPr>
+        <p:blipFill>
+          <a:blip r:embed="rId2"/>
+          <a:stretch>
+            <a:fillRect/>
+          </a:stretch>
+        </p:blipFill>
+        <p:spPr>
+          <a:xfrm>
+            <a:off x="13417" y="0"/>
+            <a:ext cx="12165165" cy="6858000"/>
+          </a:xfrm>
+          <a:prstGeom prst="rect">
+            <a:avLst/>
+          </a:prstGeom>
+        </p:spPr>
+      </p:pic>
+    </p:spTree>
+    <p:extLst>
+      <p:ext uri="{BB962C8B-B14F-4D97-AF65-F5344CB8AC3E}">
+        <p14:creationId xmlns:p14="http://schemas.microsoft.com/office/powerpoint/2010/main" val="2783732237"/>
+      </p:ext>
+    </p:extLst>
+  </p:cSld>
+  <p:clrMapOvr>
+    <a:masterClrMapping/>
+  </p:clrMapOvr>
+</p:sld>
+</file>
+
+<file path=ppt/slides/slide12.xml><?xml version="1.0" encoding="utf-8"?>
+<p:sld xmlns:a="http://schemas.openxmlformats.org/drawingml/2006/main" xmlns:r="http://schemas.openxmlformats.org/officeDocument/2006/relationships" xmlns:p="http://schemas.openxmlformats.org/presentationml/2006/main">
+  <p:cSld>
+    <p:spTree>
+      <p:nvGrpSpPr>
+        <p:cNvPr id="1" name=""/>
+        <p:cNvGrpSpPr/>
+        <p:nvPr/>
+      </p:nvGrpSpPr>
+      <p:grpSpPr>
+        <a:xfrm>
+          <a:off x="0" y="0"/>
+          <a:ext cx="0" cy="0"/>
+          <a:chOff x="0" y="0"/>
+          <a:chExt cx="0" cy="0"/>
+        </a:xfrm>
+      </p:grpSpPr>
+      <p:sp>
+        <p:nvSpPr>
+          <p:cNvPr id="2" name="Title 1">
+            <a:extLst>
+              <a:ext uri="{FF2B5EF4-FFF2-40B4-BE49-F238E27FC236}">
+                <a16:creationId xmlns:a16="http://schemas.microsoft.com/office/drawing/2014/main" id="{1BBAFB36-7C6A-2C8F-308D-30D336B4E0EE}"/>
+              </a:ext>
+            </a:extLst>
+          </p:cNvPr>
+          <p:cNvSpPr>
+            <a:spLocks noGrp="1"/>
+          </p:cNvSpPr>
+          <p:nvPr>
+            <p:ph type="title"/>
+          </p:nvPr>
+        </p:nvSpPr>
+        <p:spPr>
+          <a:xfrm>
+            <a:off x="838200" y="2766218"/>
+            <a:ext cx="10515600" cy="1325563"/>
+          </a:xfrm>
+        </p:spPr>
+        <p:txBody>
+          <a:bodyPr/>
+          <a:lstStyle/>
+          <a:p>
+            <a:pPr algn="ctr"/>
+            <a:r>
+              <a:rPr lang="en-IN" dirty="0">
+                <a:latin typeface="Open Sans" pitchFamily="2" charset="0"/>
+                <a:ea typeface="Open Sans" pitchFamily="2" charset="0"/>
+                <a:cs typeface="Open Sans" pitchFamily="2" charset="0"/>
+              </a:rPr>
+              <a:t>EXAMPLE</a:t>
+            </a:r>
+          </a:p>
+        </p:txBody>
+      </p:sp>
+    </p:spTree>
+    <p:extLst>
+      <p:ext uri="{BB962C8B-B14F-4D97-AF65-F5344CB8AC3E}">
+        <p14:creationId xmlns:p14="http://schemas.microsoft.com/office/powerpoint/2010/main" val="3950525608"/>
+      </p:ext>
+    </p:extLst>
+  </p:cSld>
+  <p:clrMapOvr>
+    <a:masterClrMapping/>
+  </p:clrMapOvr>
+</p:sld>
+</file>
+
+<file path=ppt/slides/slide13.xml><?xml version="1.0" encoding="utf-8"?>
+<p:sld xmlns:a="http://schemas.openxmlformats.org/drawingml/2006/main" xmlns:r="http://schemas.openxmlformats.org/officeDocument/2006/relationships" xmlns:p="http://schemas.openxmlformats.org/presentationml/2006/main">
+  <p:cSld>
+    <p:spTree>
+      <p:nvGrpSpPr>
+        <p:cNvPr id="1" name=""/>
+        <p:cNvGrpSpPr/>
+        <p:nvPr/>
+      </p:nvGrpSpPr>
+      <p:grpSpPr>
+        <a:xfrm>
+          <a:off x="0" y="0"/>
+          <a:ext cx="0" cy="0"/>
+          <a:chOff x="0" y="0"/>
+          <a:chExt cx="0" cy="0"/>
+        </a:xfrm>
+      </p:grpSpPr>
+      <p:sp>
+        <p:nvSpPr>
+          <p:cNvPr id="2" name="Title 1">
+            <a:extLst>
+              <a:ext uri="{FF2B5EF4-FFF2-40B4-BE49-F238E27FC236}">
+                <a16:creationId xmlns:a16="http://schemas.microsoft.com/office/drawing/2014/main" id="{E2DF703D-C52A-9A3F-2F96-A614945D6140}"/>
+              </a:ext>
+            </a:extLst>
+          </p:cNvPr>
+          <p:cNvSpPr>
+            <a:spLocks noGrp="1"/>
+          </p:cNvSpPr>
+          <p:nvPr>
+            <p:ph type="title"/>
+          </p:nvPr>
+        </p:nvSpPr>
+        <p:spPr/>
+        <p:txBody>
+          <a:bodyPr/>
+          <a:lstStyle/>
+          <a:p>
+            <a:endParaRPr lang="en-IN"/>
+          </a:p>
+        </p:txBody>
+      </p:sp>
+      <p:sp>
+        <p:nvSpPr>
+          <p:cNvPr id="3" name="Content Placeholder 2">
+            <a:extLst>
+              <a:ext uri="{FF2B5EF4-FFF2-40B4-BE49-F238E27FC236}">
+                <a16:creationId xmlns:a16="http://schemas.microsoft.com/office/drawing/2014/main" id="{40B3DB69-AE24-DBA6-A18D-E976CDE2D6C6}"/>
+              </a:ext>
+            </a:extLst>
+          </p:cNvPr>
+          <p:cNvSpPr>
+            <a:spLocks noGrp="1"/>
+          </p:cNvSpPr>
+          <p:nvPr>
+            <p:ph idx="1"/>
+          </p:nvPr>
+        </p:nvSpPr>
+        <p:spPr/>
+        <p:txBody>
+          <a:bodyPr/>
+          <a:lstStyle/>
+          <a:p>
+            <a:endParaRPr lang="en-IN"/>
+          </a:p>
+        </p:txBody>
+      </p:sp>
+      <p:pic>
+        <p:nvPicPr>
+          <p:cNvPr id="5" name="Picture 4">
+            <a:extLst>
+              <a:ext uri="{FF2B5EF4-FFF2-40B4-BE49-F238E27FC236}">
+                <a16:creationId xmlns:a16="http://schemas.microsoft.com/office/drawing/2014/main" id="{B2056AFC-2D4B-5081-7CA6-069DE982597F}"/>
+              </a:ext>
+            </a:extLst>
+          </p:cNvPr>
+          <p:cNvPicPr>
+            <a:picLocks noChangeAspect="1"/>
+          </p:cNvPicPr>
+          <p:nvPr/>
+        </p:nvPicPr>
+        <p:blipFill>
+          <a:blip r:embed="rId2"/>
+          <a:stretch>
+            <a:fillRect/>
+          </a:stretch>
+        </p:blipFill>
+        <p:spPr>
+          <a:xfrm>
+            <a:off x="0" y="1390"/>
+            <a:ext cx="12192000" cy="6855220"/>
+          </a:xfrm>
+          <a:prstGeom prst="rect">
+            <a:avLst/>
+          </a:prstGeom>
+        </p:spPr>
+      </p:pic>
+    </p:spTree>
+    <p:extLst>
+      <p:ext uri="{BB962C8B-B14F-4D97-AF65-F5344CB8AC3E}">
+        <p14:creationId xmlns:p14="http://schemas.microsoft.com/office/powerpoint/2010/main" val="1991794143"/>
+      </p:ext>
+    </p:extLst>
+  </p:cSld>
+  <p:clrMapOvr>
+    <a:masterClrMapping/>
+  </p:clrMapOvr>
+</p:sld>
+</file>
+
+<file path=ppt/slides/slide14.xml><?xml version="1.0" encoding="utf-8"?>
+<p:sld xmlns:a="http://schemas.openxmlformats.org/drawingml/2006/main" xmlns:r="http://schemas.openxmlformats.org/officeDocument/2006/relationships" xmlns:p="http://schemas.openxmlformats.org/presentationml/2006/main">
+  <p:cSld>
+    <p:spTree>
+      <p:nvGrpSpPr>
+        <p:cNvPr id="1" name=""/>
+        <p:cNvGrpSpPr/>
+        <p:nvPr/>
+      </p:nvGrpSpPr>
+      <p:grpSpPr>
+        <a:xfrm>
+          <a:off x="0" y="0"/>
+          <a:ext cx="0" cy="0"/>
+          <a:chOff x="0" y="0"/>
+          <a:chExt cx="0" cy="0"/>
+        </a:xfrm>
+      </p:grpSpPr>
+      <p:sp>
+        <p:nvSpPr>
+          <p:cNvPr id="2" name="Title 1">
+            <a:extLst>
+              <a:ext uri="{FF2B5EF4-FFF2-40B4-BE49-F238E27FC236}">
+                <a16:creationId xmlns:a16="http://schemas.microsoft.com/office/drawing/2014/main" id="{2305CC1F-9212-561E-7519-2667292856F0}"/>
+              </a:ext>
+            </a:extLst>
+          </p:cNvPr>
+          <p:cNvSpPr>
+            <a:spLocks noGrp="1"/>
+          </p:cNvSpPr>
+          <p:nvPr>
+            <p:ph type="title"/>
+          </p:nvPr>
+        </p:nvSpPr>
+        <p:spPr/>
+        <p:txBody>
+          <a:bodyPr/>
+          <a:lstStyle/>
+          <a:p>
+            <a:endParaRPr lang="en-IN"/>
+          </a:p>
+        </p:txBody>
+      </p:sp>
+      <p:sp>
+        <p:nvSpPr>
+          <p:cNvPr id="3" name="Content Placeholder 2">
+            <a:extLst>
+              <a:ext uri="{FF2B5EF4-FFF2-40B4-BE49-F238E27FC236}">
+                <a16:creationId xmlns:a16="http://schemas.microsoft.com/office/drawing/2014/main" id="{91956219-2E81-4755-0B7C-2DBF650060C1}"/>
+              </a:ext>
+            </a:extLst>
+          </p:cNvPr>
+          <p:cNvSpPr>
+            <a:spLocks noGrp="1"/>
+          </p:cNvSpPr>
+          <p:nvPr>
+            <p:ph idx="1"/>
+          </p:nvPr>
+        </p:nvSpPr>
+        <p:spPr/>
+        <p:txBody>
+          <a:bodyPr/>
+          <a:lstStyle/>
+          <a:p>
+            <a:endParaRPr lang="en-IN"/>
+          </a:p>
+        </p:txBody>
+      </p:sp>
+      <p:pic>
+        <p:nvPicPr>
+          <p:cNvPr id="5" name="Picture 4">
+            <a:extLst>
+              <a:ext uri="{FF2B5EF4-FFF2-40B4-BE49-F238E27FC236}">
+                <a16:creationId xmlns:a16="http://schemas.microsoft.com/office/drawing/2014/main" id="{3B919AC1-CD49-3F98-4391-652025ACD2EA}"/>
+              </a:ext>
+            </a:extLst>
+          </p:cNvPr>
+          <p:cNvPicPr>
+            <a:picLocks noChangeAspect="1"/>
+          </p:cNvPicPr>
+          <p:nvPr/>
+        </p:nvPicPr>
+        <p:blipFill>
+          <a:blip r:embed="rId2"/>
+          <a:stretch>
+            <a:fillRect/>
+          </a:stretch>
+        </p:blipFill>
+        <p:spPr>
+          <a:xfrm>
+            <a:off x="19773" y="0"/>
+            <a:ext cx="12152453" cy="6858000"/>
+          </a:xfrm>
+          <a:prstGeom prst="rect">
+            <a:avLst/>
+          </a:prstGeom>
+        </p:spPr>
+      </p:pic>
+    </p:spTree>
+    <p:extLst>
+      <p:ext uri="{BB962C8B-B14F-4D97-AF65-F5344CB8AC3E}">
+        <p14:creationId xmlns:p14="http://schemas.microsoft.com/office/powerpoint/2010/main" val="1101361444"/>
+      </p:ext>
+    </p:extLst>
+  </p:cSld>
+  <p:clrMapOvr>
+    <a:masterClrMapping/>
+  </p:clrMapOvr>
+</p:sld>
+</file>
+
+<file path=ppt/slides/slide15.xml><?xml version="1.0" encoding="utf-8"?>
+<p:sld xmlns:a="http://schemas.openxmlformats.org/drawingml/2006/main" xmlns:r="http://schemas.openxmlformats.org/officeDocument/2006/relationships" xmlns:p="http://schemas.openxmlformats.org/presentationml/2006/main">
+  <p:cSld>
+    <p:spTree>
+      <p:nvGrpSpPr>
+        <p:cNvPr id="1" name=""/>
+        <p:cNvGrpSpPr/>
+        <p:nvPr/>
+      </p:nvGrpSpPr>
+      <p:grpSpPr>
+        <a:xfrm>
+          <a:off x="0" y="0"/>
+          <a:ext cx="0" cy="0"/>
+          <a:chOff x="0" y="0"/>
+          <a:chExt cx="0" cy="0"/>
+        </a:xfrm>
+      </p:grpSpPr>
+      <p:sp>
+        <p:nvSpPr>
+          <p:cNvPr id="2" name="Title 1">
+            <a:extLst>
+              <a:ext uri="{FF2B5EF4-FFF2-40B4-BE49-F238E27FC236}">
+                <a16:creationId xmlns:a16="http://schemas.microsoft.com/office/drawing/2014/main" id="{2ADDBE5B-19E1-6572-65CD-D433144370C3}"/>
+              </a:ext>
+            </a:extLst>
+          </p:cNvPr>
+          <p:cNvSpPr>
+            <a:spLocks noGrp="1"/>
+          </p:cNvSpPr>
+          <p:nvPr>
+            <p:ph type="title"/>
+          </p:nvPr>
+        </p:nvSpPr>
+        <p:spPr/>
+        <p:txBody>
+          <a:bodyPr/>
+          <a:lstStyle/>
+          <a:p>
+            <a:endParaRPr lang="en-IN"/>
+          </a:p>
+        </p:txBody>
+      </p:sp>
+      <p:sp>
+        <p:nvSpPr>
+          <p:cNvPr id="3" name="Content Placeholder 2">
+            <a:extLst>
+              <a:ext uri="{FF2B5EF4-FFF2-40B4-BE49-F238E27FC236}">
+                <a16:creationId xmlns:a16="http://schemas.microsoft.com/office/drawing/2014/main" id="{AC49874A-77F5-5998-CA9E-B6511ECA62C1}"/>
+              </a:ext>
+            </a:extLst>
+          </p:cNvPr>
+          <p:cNvSpPr>
+            <a:spLocks noGrp="1"/>
+          </p:cNvSpPr>
+          <p:nvPr>
+            <p:ph idx="1"/>
+          </p:nvPr>
+        </p:nvSpPr>
+        <p:spPr/>
+        <p:txBody>
+          <a:bodyPr/>
+          <a:lstStyle/>
+          <a:p>
+            <a:endParaRPr lang="en-IN"/>
+          </a:p>
+        </p:txBody>
+      </p:sp>
+      <p:pic>
+        <p:nvPicPr>
+          <p:cNvPr id="5" name="Picture 4">
+            <a:extLst>
+              <a:ext uri="{FF2B5EF4-FFF2-40B4-BE49-F238E27FC236}">
+                <a16:creationId xmlns:a16="http://schemas.microsoft.com/office/drawing/2014/main" id="{2ACE35CE-8EF7-5078-EA42-FAF51D0660FF}"/>
+              </a:ext>
+            </a:extLst>
+          </p:cNvPr>
+          <p:cNvPicPr>
+            <a:picLocks noChangeAspect="1"/>
+          </p:cNvPicPr>
+          <p:nvPr/>
+        </p:nvPicPr>
+        <p:blipFill>
+          <a:blip r:embed="rId2"/>
+          <a:stretch>
+            <a:fillRect/>
+          </a:stretch>
+        </p:blipFill>
+        <p:spPr>
+          <a:xfrm>
+            <a:off x="0" y="1390"/>
+            <a:ext cx="12192000" cy="6855220"/>
+          </a:xfrm>
+          <a:prstGeom prst="rect">
+            <a:avLst/>
+          </a:prstGeom>
+        </p:spPr>
+      </p:pic>
+    </p:spTree>
+    <p:extLst>
+      <p:ext uri="{BB962C8B-B14F-4D97-AF65-F5344CB8AC3E}">
+        <p14:creationId xmlns:p14="http://schemas.microsoft.com/office/powerpoint/2010/main" val="4066065442"/>
+      </p:ext>
+    </p:extLst>
+  </p:cSld>
+  <p:clrMapOvr>
+    <a:masterClrMapping/>
+  </p:clrMapOvr>
+</p:sld>
+</file>
+
+<file path=ppt/slides/slide16.xml><?xml version="1.0" encoding="utf-8"?>
+<p:sld xmlns:a="http://schemas.openxmlformats.org/drawingml/2006/main" xmlns:r="http://schemas.openxmlformats.org/officeDocument/2006/relationships" xmlns:p="http://schemas.openxmlformats.org/presentationml/2006/main">
+  <p:cSld>
+    <p:spTree>
+      <p:nvGrpSpPr>
+        <p:cNvPr id="1" name=""/>
+        <p:cNvGrpSpPr/>
+        <p:nvPr/>
+      </p:nvGrpSpPr>
+      <p:grpSpPr>
+        <a:xfrm>
+          <a:off x="0" y="0"/>
+          <a:ext cx="0" cy="0"/>
+          <a:chOff x="0" y="0"/>
+          <a:chExt cx="0" cy="0"/>
+        </a:xfrm>
+      </p:grpSpPr>
+      <p:pic>
+        <p:nvPicPr>
+          <p:cNvPr id="5" name="Content Placeholder 4">
+            <a:extLst>
+              <a:ext uri="{FF2B5EF4-FFF2-40B4-BE49-F238E27FC236}">
+                <a16:creationId xmlns:a16="http://schemas.microsoft.com/office/drawing/2014/main" id="{BDC14B67-CBBA-3332-2590-C331C870C70D}"/>
+              </a:ext>
+            </a:extLst>
+          </p:cNvPr>
+          <p:cNvPicPr>
+            <a:picLocks noGrp="1" noChangeAspect="1"/>
+          </p:cNvPicPr>
+          <p:nvPr>
+            <p:ph idx="1"/>
+          </p:nvPr>
+        </p:nvPicPr>
+        <p:blipFill>
+          <a:blip r:embed="rId2">
+            <a:extLst>
+              <a:ext uri="{28A0092B-C50C-407E-A947-70E740481C1C}">
+                <a14:useLocalDpi xmlns:a14="http://schemas.microsoft.com/office/drawing/2010/main" val="0"/>
+              </a:ext>
+              <a:ext uri="{837473B0-CC2E-450A-ABE3-18F120FF3D39}">
+                <a1611:picAttrSrcUrl xmlns:a1611="http://schemas.microsoft.com/office/drawing/2016/11/main" r:id="rId3"/>
+              </a:ext>
+            </a:extLst>
+          </a:blip>
+          <a:stretch>
+            <a:fillRect/>
+          </a:stretch>
+        </p:blipFill>
+        <p:spPr>
+          <a:xfrm>
+            <a:off x="3585328" y="1611379"/>
+            <a:ext cx="4440708" cy="3909624"/>
+          </a:xfrm>
+        </p:spPr>
+      </p:pic>
+    </p:spTree>
+    <p:extLst>
+      <p:ext uri="{BB962C8B-B14F-4D97-AF65-F5344CB8AC3E}">
+        <p14:creationId xmlns:p14="http://schemas.microsoft.com/office/powerpoint/2010/main" val="3320056968"/>
+      </p:ext>
+    </p:extLst>
+  </p:cSld>
+  <p:clrMapOvr>
+    <a:masterClrMapping/>
+  </p:clrMapOvr>
+</p:sld>
+</file>
+
 <file path=ppt/slides/slide2.xml><?xml version="1.0" encoding="utf-8"?>
 <p:sld xmlns:a="http://schemas.openxmlformats.org/drawingml/2006/main" xmlns:r="http://schemas.openxmlformats.org/officeDocument/2006/relationships" xmlns:p="http://schemas.openxmlformats.org/presentationml/2006/main">
   <p:cSld>
@@ -5077,6 +5881,7 @@
           </a:bodyPr>
           <a:lstStyle/>
           <a:p>
+            <a:pPr algn="just"/>
             <a:r>
               <a:rPr lang="en-IN" dirty="0"/>
               <a:t>The word CLOUD means remote servers that are used to store, manage, run and deploy of applications over the internet is known as cloud</a:t>
@@ -5241,30 +6046,34 @@
           <a:bodyPr/>
           <a:lstStyle/>
           <a:p>
+            <a:pPr algn="just"/>
             <a:r>
               <a:rPr lang="en-IN" dirty="0"/>
               <a:t>The cloud platforms provide the computing resources over the internet like hardware, software, networking, storage.</a:t>
             </a:r>
           </a:p>
           <a:p>
+            <a:pPr algn="just"/>
             <a:r>
               <a:rPr lang="en-IN" dirty="0"/>
               <a:t>The cloud platforms allows users to pay bills on pay as go model. Which means user has to pay the amount for the resources which he/she used.</a:t>
             </a:r>
           </a:p>
           <a:p>
+            <a:pPr algn="just"/>
             <a:r>
               <a:rPr lang="en-IN" dirty="0"/>
               <a:t>Cloud computing also has scalability</a:t>
             </a:r>
           </a:p>
           <a:p>
-            <a:pPr marL="0" indent="0">
+            <a:pPr marL="0" indent="0" algn="just">
               <a:buNone/>
             </a:pPr>
             <a:endParaRPr lang="en-IN" dirty="0"/>
           </a:p>
           <a:p>
+            <a:pPr algn="just"/>
             <a:endParaRPr lang="en-IN" dirty="0"/>
           </a:p>
         </p:txBody>
@@ -5941,18 +6750,21 @@
           <a:bodyPr/>
           <a:lstStyle/>
           <a:p>
+            <a:pPr algn="just"/>
             <a:r>
               <a:rPr lang="en-IN" dirty="0"/>
               <a:t>The cost optimization is process of managing the cloud resources.</a:t>
             </a:r>
           </a:p>
           <a:p>
+            <a:pPr algn="just"/>
             <a:r>
               <a:rPr lang="en-IN" dirty="0"/>
               <a:t>In this process the computing power is maximized while reducing the cloud operating costs</a:t>
             </a:r>
           </a:p>
           <a:p>
+            <a:pPr algn="just"/>
             <a:r>
               <a:rPr lang="en-IN" dirty="0"/>
               <a:t>The process involves selecting right resources for the applications.</a:t>
@@ -6095,11 +6907,71 @@
             <p:ph idx="1"/>
           </p:nvPr>
         </p:nvSpPr>
-        <p:spPr/>
+        <p:spPr>
+          <a:xfrm>
+            <a:off x="838200" y="2232025"/>
+            <a:ext cx="7086600" cy="2737139"/>
+          </a:xfrm>
+        </p:spPr>
         <p:txBody>
           <a:bodyPr/>
           <a:lstStyle/>
           <a:p>
+            <a:pPr marL="514350" indent="-514350">
+              <a:buFont typeface="+mj-lt"/>
+              <a:buAutoNum type="arabicPeriod"/>
+            </a:pPr>
+            <a:r>
+              <a:rPr lang="en-IN" dirty="0"/>
+              <a:t>Monitoring</a:t>
+            </a:r>
+          </a:p>
+          <a:p>
+            <a:pPr marL="514350" indent="-514350">
+              <a:buFont typeface="+mj-lt"/>
+              <a:buAutoNum type="arabicPeriod"/>
+            </a:pPr>
+            <a:r>
+              <a:rPr lang="en-IN" dirty="0"/>
+              <a:t>Billing and cost management monitoring</a:t>
+            </a:r>
+          </a:p>
+          <a:p>
+            <a:pPr marL="514350" indent="-514350">
+              <a:buFont typeface="+mj-lt"/>
+              <a:buAutoNum type="arabicPeriod"/>
+            </a:pPr>
+            <a:r>
+              <a:rPr lang="en-IN" dirty="0"/>
+              <a:t>Budgeting</a:t>
+            </a:r>
+          </a:p>
+          <a:p>
+            <a:pPr marL="514350" indent="-514350">
+              <a:buFont typeface="+mj-lt"/>
+              <a:buAutoNum type="arabicPeriod"/>
+            </a:pPr>
+            <a:r>
+              <a:rPr lang="en-IN" dirty="0"/>
+              <a:t>Resource Allocation</a:t>
+            </a:r>
+          </a:p>
+          <a:p>
+            <a:pPr marL="514350" indent="-514350">
+              <a:buFont typeface="+mj-lt"/>
+              <a:buAutoNum type="arabicPeriod"/>
+            </a:pPr>
+            <a:r>
+              <a:rPr lang="en-US" dirty="0"/>
+              <a:t>Using of Cloud Cost Optimization Tools</a:t>
+            </a:r>
+            <a:endParaRPr lang="en-IN" dirty="0"/>
+          </a:p>
+          <a:p>
+            <a:pPr marL="514350" indent="-514350">
+              <a:buFont typeface="+mj-lt"/>
+              <a:buAutoNum type="arabicPeriod"/>
+            </a:pPr>
             <a:endParaRPr lang="en-IN" dirty="0"/>
           </a:p>
         </p:txBody>
@@ -6108,6 +6980,434 @@
     <p:extLst>
       <p:ext uri="{BB962C8B-B14F-4D97-AF65-F5344CB8AC3E}">
         <p14:creationId xmlns:p14="http://schemas.microsoft.com/office/powerpoint/2010/main" val="1862421025"/>
+      </p:ext>
+    </p:extLst>
+  </p:cSld>
+  <p:clrMapOvr>
+    <a:masterClrMapping/>
+  </p:clrMapOvr>
+</p:sld>
+</file>
+
+<file path=ppt/slides/slide8.xml><?xml version="1.0" encoding="utf-8"?>
+<p:sld xmlns:a="http://schemas.openxmlformats.org/drawingml/2006/main" xmlns:r="http://schemas.openxmlformats.org/officeDocument/2006/relationships" xmlns:p="http://schemas.openxmlformats.org/presentationml/2006/main">
+  <p:cSld>
+    <p:spTree>
+      <p:nvGrpSpPr>
+        <p:cNvPr id="1" name=""/>
+        <p:cNvGrpSpPr/>
+        <p:nvPr/>
+      </p:nvGrpSpPr>
+      <p:grpSpPr>
+        <a:xfrm>
+          <a:off x="0" y="0"/>
+          <a:ext cx="0" cy="0"/>
+          <a:chOff x="0" y="0"/>
+          <a:chExt cx="0" cy="0"/>
+        </a:xfrm>
+      </p:grpSpPr>
+      <p:sp>
+        <p:nvSpPr>
+          <p:cNvPr id="2" name="Title 1">
+            <a:extLst>
+              <a:ext uri="{FF2B5EF4-FFF2-40B4-BE49-F238E27FC236}">
+                <a16:creationId xmlns:a16="http://schemas.microsoft.com/office/drawing/2014/main" id="{3F69CA6C-EEDA-346A-5A2B-8E08B283F08D}"/>
+              </a:ext>
+            </a:extLst>
+          </p:cNvPr>
+          <p:cNvSpPr>
+            <a:spLocks noGrp="1"/>
+          </p:cNvSpPr>
+          <p:nvPr>
+            <p:ph type="title"/>
+          </p:nvPr>
+        </p:nvSpPr>
+        <p:spPr/>
+        <p:txBody>
+          <a:bodyPr/>
+          <a:lstStyle/>
+          <a:p>
+            <a:endParaRPr lang="en-IN"/>
+          </a:p>
+        </p:txBody>
+      </p:sp>
+      <p:sp>
+        <p:nvSpPr>
+          <p:cNvPr id="3" name="Content Placeholder 2">
+            <a:extLst>
+              <a:ext uri="{FF2B5EF4-FFF2-40B4-BE49-F238E27FC236}">
+                <a16:creationId xmlns:a16="http://schemas.microsoft.com/office/drawing/2014/main" id="{791CB7F9-A346-C789-A2C8-6A000FCFF7EF}"/>
+              </a:ext>
+            </a:extLst>
+          </p:cNvPr>
+          <p:cNvSpPr>
+            <a:spLocks noGrp="1"/>
+          </p:cNvSpPr>
+          <p:nvPr>
+            <p:ph idx="1"/>
+          </p:nvPr>
+        </p:nvSpPr>
+        <p:spPr/>
+        <p:txBody>
+          <a:bodyPr/>
+          <a:lstStyle/>
+          <a:p>
+            <a:endParaRPr lang="en-IN"/>
+          </a:p>
+        </p:txBody>
+      </p:sp>
+      <p:pic>
+        <p:nvPicPr>
+          <p:cNvPr id="5" name="Picture 4">
+            <a:extLst>
+              <a:ext uri="{FF2B5EF4-FFF2-40B4-BE49-F238E27FC236}">
+                <a16:creationId xmlns:a16="http://schemas.microsoft.com/office/drawing/2014/main" id="{9C694CA8-B469-F14D-588A-ED70C46D6549}"/>
+              </a:ext>
+            </a:extLst>
+          </p:cNvPr>
+          <p:cNvPicPr>
+            <a:picLocks noChangeAspect="1"/>
+          </p:cNvPicPr>
+          <p:nvPr/>
+        </p:nvPicPr>
+        <p:blipFill>
+          <a:blip r:embed="rId2"/>
+          <a:stretch>
+            <a:fillRect/>
+          </a:stretch>
+        </p:blipFill>
+        <p:spPr>
+          <a:xfrm>
+            <a:off x="0" y="1390"/>
+            <a:ext cx="12192000" cy="6855220"/>
+          </a:xfrm>
+          <a:prstGeom prst="rect">
+            <a:avLst/>
+          </a:prstGeom>
+        </p:spPr>
+      </p:pic>
+      <p:sp>
+        <p:nvSpPr>
+          <p:cNvPr id="6" name="Rectangle 5">
+            <a:extLst>
+              <a:ext uri="{FF2B5EF4-FFF2-40B4-BE49-F238E27FC236}">
+                <a16:creationId xmlns:a16="http://schemas.microsoft.com/office/drawing/2014/main" id="{AE8B4CB0-5055-958F-CED1-3EC00DEA58C7}"/>
+              </a:ext>
+            </a:extLst>
+          </p:cNvPr>
+          <p:cNvSpPr/>
+          <p:nvPr/>
+        </p:nvSpPr>
+        <p:spPr>
+          <a:xfrm>
+            <a:off x="2974108" y="3969400"/>
+            <a:ext cx="2863273" cy="713436"/>
+          </a:xfrm>
+          <a:prstGeom prst="rect">
+            <a:avLst/>
+          </a:prstGeom>
+          <a:noFill/>
+          <a:ln w="38100">
+            <a:solidFill>
+              <a:srgbClr val="FF0000"/>
+            </a:solidFill>
+          </a:ln>
+        </p:spPr>
+        <p:style>
+          <a:lnRef idx="2">
+            <a:schemeClr val="accent1">
+              <a:shade val="15000"/>
+            </a:schemeClr>
+          </a:lnRef>
+          <a:fillRef idx="1">
+            <a:schemeClr val="accent1"/>
+          </a:fillRef>
+          <a:effectRef idx="0">
+            <a:schemeClr val="accent1"/>
+          </a:effectRef>
+          <a:fontRef idx="minor">
+            <a:schemeClr val="lt1"/>
+          </a:fontRef>
+        </p:style>
+        <p:txBody>
+          <a:bodyPr rtlCol="0" anchor="ctr"/>
+          <a:lstStyle/>
+          <a:p>
+            <a:pPr algn="ctr"/>
+            <a:endParaRPr lang="en-IN"/>
+          </a:p>
+        </p:txBody>
+      </p:sp>
+      <p:sp>
+        <p:nvSpPr>
+          <p:cNvPr id="7" name="Rectangle 6">
+            <a:extLst>
+              <a:ext uri="{FF2B5EF4-FFF2-40B4-BE49-F238E27FC236}">
+                <a16:creationId xmlns:a16="http://schemas.microsoft.com/office/drawing/2014/main" id="{3896EA67-E8C7-5886-D45C-E9D154848406}"/>
+              </a:ext>
+            </a:extLst>
+          </p:cNvPr>
+          <p:cNvSpPr/>
+          <p:nvPr/>
+        </p:nvSpPr>
+        <p:spPr>
+          <a:xfrm>
+            <a:off x="625763" y="1653382"/>
+            <a:ext cx="923636" cy="314036"/>
+          </a:xfrm>
+          <a:prstGeom prst="rect">
+            <a:avLst/>
+          </a:prstGeom>
+          <a:noFill/>
+          <a:ln w="38100">
+            <a:solidFill>
+              <a:srgbClr val="FF0000"/>
+            </a:solidFill>
+          </a:ln>
+        </p:spPr>
+        <p:style>
+          <a:lnRef idx="2">
+            <a:schemeClr val="accent1">
+              <a:shade val="15000"/>
+            </a:schemeClr>
+          </a:lnRef>
+          <a:fillRef idx="1">
+            <a:schemeClr val="accent1"/>
+          </a:fillRef>
+          <a:effectRef idx="0">
+            <a:schemeClr val="accent1"/>
+          </a:effectRef>
+          <a:fontRef idx="minor">
+            <a:schemeClr val="lt1"/>
+          </a:fontRef>
+        </p:style>
+        <p:txBody>
+          <a:bodyPr rtlCol="0" anchor="ctr"/>
+          <a:lstStyle/>
+          <a:p>
+            <a:pPr algn="ctr"/>
+            <a:endParaRPr lang="en-IN"/>
+          </a:p>
+        </p:txBody>
+      </p:sp>
+      <p:sp>
+        <p:nvSpPr>
+          <p:cNvPr id="8" name="Rectangle 7">
+            <a:extLst>
+              <a:ext uri="{FF2B5EF4-FFF2-40B4-BE49-F238E27FC236}">
+                <a16:creationId xmlns:a16="http://schemas.microsoft.com/office/drawing/2014/main" id="{74DFFE63-B525-1B75-4D8F-DDD9D8E27440}"/>
+              </a:ext>
+            </a:extLst>
+          </p:cNvPr>
+          <p:cNvSpPr/>
+          <p:nvPr/>
+        </p:nvSpPr>
+        <p:spPr>
+          <a:xfrm>
+            <a:off x="609600" y="681038"/>
+            <a:ext cx="228600" cy="205654"/>
+          </a:xfrm>
+          <a:prstGeom prst="rect">
+            <a:avLst/>
+          </a:prstGeom>
+          <a:noFill/>
+          <a:ln w="38100">
+            <a:solidFill>
+              <a:srgbClr val="FF0000"/>
+            </a:solidFill>
+          </a:ln>
+        </p:spPr>
+        <p:style>
+          <a:lnRef idx="2">
+            <a:schemeClr val="accent1">
+              <a:shade val="15000"/>
+            </a:schemeClr>
+          </a:lnRef>
+          <a:fillRef idx="1">
+            <a:schemeClr val="accent1"/>
+          </a:fillRef>
+          <a:effectRef idx="0">
+            <a:schemeClr val="accent1"/>
+          </a:effectRef>
+          <a:fontRef idx="minor">
+            <a:schemeClr val="lt1"/>
+          </a:fontRef>
+        </p:style>
+        <p:txBody>
+          <a:bodyPr rtlCol="0" anchor="ctr"/>
+          <a:lstStyle/>
+          <a:p>
+            <a:pPr algn="ctr"/>
+            <a:endParaRPr lang="en-IN"/>
+          </a:p>
+        </p:txBody>
+      </p:sp>
+    </p:spTree>
+    <p:extLst>
+      <p:ext uri="{BB962C8B-B14F-4D97-AF65-F5344CB8AC3E}">
+        <p14:creationId xmlns:p14="http://schemas.microsoft.com/office/powerpoint/2010/main" val="3548345333"/>
+      </p:ext>
+    </p:extLst>
+  </p:cSld>
+  <p:clrMapOvr>
+    <a:masterClrMapping/>
+  </p:clrMapOvr>
+</p:sld>
+</file>
+
+<file path=ppt/slides/slide9.xml><?xml version="1.0" encoding="utf-8"?>
+<p:sld xmlns:a="http://schemas.openxmlformats.org/drawingml/2006/main" xmlns:r="http://schemas.openxmlformats.org/officeDocument/2006/relationships" xmlns:p="http://schemas.openxmlformats.org/presentationml/2006/main">
+  <p:cSld>
+    <p:spTree>
+      <p:nvGrpSpPr>
+        <p:cNvPr id="1" name=""/>
+        <p:cNvGrpSpPr/>
+        <p:nvPr/>
+      </p:nvGrpSpPr>
+      <p:grpSpPr>
+        <a:xfrm>
+          <a:off x="0" y="0"/>
+          <a:ext cx="0" cy="0"/>
+          <a:chOff x="0" y="0"/>
+          <a:chExt cx="0" cy="0"/>
+        </a:xfrm>
+      </p:grpSpPr>
+      <p:sp>
+        <p:nvSpPr>
+          <p:cNvPr id="2" name="Title 1">
+            <a:extLst>
+              <a:ext uri="{FF2B5EF4-FFF2-40B4-BE49-F238E27FC236}">
+                <a16:creationId xmlns:a16="http://schemas.microsoft.com/office/drawing/2014/main" id="{3724E921-B557-2BC1-8320-EA439AEF4318}"/>
+              </a:ext>
+            </a:extLst>
+          </p:cNvPr>
+          <p:cNvSpPr>
+            <a:spLocks noGrp="1"/>
+          </p:cNvSpPr>
+          <p:nvPr>
+            <p:ph type="title"/>
+          </p:nvPr>
+        </p:nvSpPr>
+        <p:spPr/>
+        <p:txBody>
+          <a:bodyPr/>
+          <a:lstStyle/>
+          <a:p>
+            <a:endParaRPr lang="en-IN"/>
+          </a:p>
+        </p:txBody>
+      </p:sp>
+      <p:sp>
+        <p:nvSpPr>
+          <p:cNvPr id="3" name="Content Placeholder 2">
+            <a:extLst>
+              <a:ext uri="{FF2B5EF4-FFF2-40B4-BE49-F238E27FC236}">
+                <a16:creationId xmlns:a16="http://schemas.microsoft.com/office/drawing/2014/main" id="{BB9412A4-C2E9-F9F2-9872-C9260BA2D55F}"/>
+              </a:ext>
+            </a:extLst>
+          </p:cNvPr>
+          <p:cNvSpPr>
+            <a:spLocks noGrp="1"/>
+          </p:cNvSpPr>
+          <p:nvPr>
+            <p:ph idx="1"/>
+          </p:nvPr>
+        </p:nvSpPr>
+        <p:spPr/>
+        <p:txBody>
+          <a:bodyPr/>
+          <a:lstStyle/>
+          <a:p>
+            <a:endParaRPr lang="en-IN"/>
+          </a:p>
+        </p:txBody>
+      </p:sp>
+      <p:pic>
+        <p:nvPicPr>
+          <p:cNvPr id="5" name="Picture 4">
+            <a:extLst>
+              <a:ext uri="{FF2B5EF4-FFF2-40B4-BE49-F238E27FC236}">
+                <a16:creationId xmlns:a16="http://schemas.microsoft.com/office/drawing/2014/main" id="{A178D1F4-A963-7534-5BB5-B906E70859D6}"/>
+              </a:ext>
+            </a:extLst>
+          </p:cNvPr>
+          <p:cNvPicPr>
+            <a:picLocks noChangeAspect="1"/>
+          </p:cNvPicPr>
+          <p:nvPr/>
+        </p:nvPicPr>
+        <p:blipFill>
+          <a:blip r:embed="rId2"/>
+          <a:stretch>
+            <a:fillRect/>
+          </a:stretch>
+        </p:blipFill>
+        <p:spPr>
+          <a:xfrm>
+            <a:off x="0" y="1390"/>
+            <a:ext cx="12192000" cy="6855220"/>
+          </a:xfrm>
+          <a:prstGeom prst="rect">
+            <a:avLst/>
+          </a:prstGeom>
+        </p:spPr>
+      </p:pic>
+      <p:sp>
+        <p:nvSpPr>
+          <p:cNvPr id="6" name="Rectangle 5">
+            <a:extLst>
+              <a:ext uri="{FF2B5EF4-FFF2-40B4-BE49-F238E27FC236}">
+                <a16:creationId xmlns:a16="http://schemas.microsoft.com/office/drawing/2014/main" id="{7631BB8A-1F7B-40A8-B1CF-7D5EF23F5932}"/>
+              </a:ext>
+            </a:extLst>
+          </p:cNvPr>
+          <p:cNvSpPr/>
+          <p:nvPr/>
+        </p:nvSpPr>
+        <p:spPr>
+          <a:xfrm>
+            <a:off x="2346037" y="1376651"/>
+            <a:ext cx="7241308" cy="3075275"/>
+          </a:xfrm>
+          <a:prstGeom prst="rect">
+            <a:avLst/>
+          </a:prstGeom>
+          <a:noFill/>
+          <a:ln w="38100">
+            <a:solidFill>
+              <a:srgbClr val="FF0000"/>
+            </a:solidFill>
+          </a:ln>
+        </p:spPr>
+        <p:style>
+          <a:lnRef idx="2">
+            <a:schemeClr val="accent1">
+              <a:shade val="15000"/>
+            </a:schemeClr>
+          </a:lnRef>
+          <a:fillRef idx="1">
+            <a:schemeClr val="accent1"/>
+          </a:fillRef>
+          <a:effectRef idx="0">
+            <a:schemeClr val="accent1"/>
+          </a:effectRef>
+          <a:fontRef idx="minor">
+            <a:schemeClr val="lt1"/>
+          </a:fontRef>
+        </p:style>
+        <p:txBody>
+          <a:bodyPr rtlCol="0" anchor="ctr"/>
+          <a:lstStyle/>
+          <a:p>
+            <a:pPr algn="ctr"/>
+            <a:endParaRPr lang="en-IN"/>
+          </a:p>
+        </p:txBody>
+      </p:sp>
+    </p:spTree>
+    <p:extLst>
+      <p:ext uri="{BB962C8B-B14F-4D97-AF65-F5344CB8AC3E}">
+        <p14:creationId xmlns:p14="http://schemas.microsoft.com/office/powerpoint/2010/main" val="929763545"/>
       </p:ext>
     </p:extLst>
   </p:cSld>
